--- a/docs/assets/fractals/squares/copper.pptx
+++ b/docs/assets/fractals/squares/copper.pptx
@@ -243,7 +243,7 @@
           <a:p>
             <a:fld id="{21D7086C-0C4C-3449-91FA-3D214E3305F6}" type="datetimeFigureOut">
               <a:rPr lang="en-GB" smtClean="0"/>
-              <a:t>22/08/2024</a:t>
+              <a:t>29/08/2024</a:t>
             </a:fld>
             <a:endParaRPr lang="en-GB"/>
           </a:p>
@@ -413,7 +413,7 @@
           <a:p>
             <a:fld id="{21D7086C-0C4C-3449-91FA-3D214E3305F6}" type="datetimeFigureOut">
               <a:rPr lang="en-GB" smtClean="0"/>
-              <a:t>22/08/2024</a:t>
+              <a:t>29/08/2024</a:t>
             </a:fld>
             <a:endParaRPr lang="en-GB"/>
           </a:p>
@@ -593,7 +593,7 @@
           <a:p>
             <a:fld id="{21D7086C-0C4C-3449-91FA-3D214E3305F6}" type="datetimeFigureOut">
               <a:rPr lang="en-GB" smtClean="0"/>
-              <a:t>22/08/2024</a:t>
+              <a:t>29/08/2024</a:t>
             </a:fld>
             <a:endParaRPr lang="en-GB"/>
           </a:p>
@@ -763,7 +763,7 @@
           <a:p>
             <a:fld id="{21D7086C-0C4C-3449-91FA-3D214E3305F6}" type="datetimeFigureOut">
               <a:rPr lang="en-GB" smtClean="0"/>
-              <a:t>22/08/2024</a:t>
+              <a:t>29/08/2024</a:t>
             </a:fld>
             <a:endParaRPr lang="en-GB"/>
           </a:p>
@@ -1007,7 +1007,7 @@
           <a:p>
             <a:fld id="{21D7086C-0C4C-3449-91FA-3D214E3305F6}" type="datetimeFigureOut">
               <a:rPr lang="en-GB" smtClean="0"/>
-              <a:t>22/08/2024</a:t>
+              <a:t>29/08/2024</a:t>
             </a:fld>
             <a:endParaRPr lang="en-GB"/>
           </a:p>
@@ -1239,7 +1239,7 @@
           <a:p>
             <a:fld id="{21D7086C-0C4C-3449-91FA-3D214E3305F6}" type="datetimeFigureOut">
               <a:rPr lang="en-GB" smtClean="0"/>
-              <a:t>22/08/2024</a:t>
+              <a:t>29/08/2024</a:t>
             </a:fld>
             <a:endParaRPr lang="en-GB"/>
           </a:p>
@@ -1606,7 +1606,7 @@
           <a:p>
             <a:fld id="{21D7086C-0C4C-3449-91FA-3D214E3305F6}" type="datetimeFigureOut">
               <a:rPr lang="en-GB" smtClean="0"/>
-              <a:t>22/08/2024</a:t>
+              <a:t>29/08/2024</a:t>
             </a:fld>
             <a:endParaRPr lang="en-GB"/>
           </a:p>
@@ -1724,7 +1724,7 @@
           <a:p>
             <a:fld id="{21D7086C-0C4C-3449-91FA-3D214E3305F6}" type="datetimeFigureOut">
               <a:rPr lang="en-GB" smtClean="0"/>
-              <a:t>22/08/2024</a:t>
+              <a:t>29/08/2024</a:t>
             </a:fld>
             <a:endParaRPr lang="en-GB"/>
           </a:p>
@@ -1819,7 +1819,7 @@
           <a:p>
             <a:fld id="{21D7086C-0C4C-3449-91FA-3D214E3305F6}" type="datetimeFigureOut">
               <a:rPr lang="en-GB" smtClean="0"/>
-              <a:t>22/08/2024</a:t>
+              <a:t>29/08/2024</a:t>
             </a:fld>
             <a:endParaRPr lang="en-GB"/>
           </a:p>
@@ -2096,7 +2096,7 @@
           <a:p>
             <a:fld id="{21D7086C-0C4C-3449-91FA-3D214E3305F6}" type="datetimeFigureOut">
               <a:rPr lang="en-GB" smtClean="0"/>
-              <a:t>22/08/2024</a:t>
+              <a:t>29/08/2024</a:t>
             </a:fld>
             <a:endParaRPr lang="en-GB"/>
           </a:p>
@@ -2353,7 +2353,7 @@
           <a:p>
             <a:fld id="{21D7086C-0C4C-3449-91FA-3D214E3305F6}" type="datetimeFigureOut">
               <a:rPr lang="en-GB" smtClean="0"/>
-              <a:t>22/08/2024</a:t>
+              <a:t>29/08/2024</a:t>
             </a:fld>
             <a:endParaRPr lang="en-GB"/>
           </a:p>
@@ -2566,7 +2566,7 @@
           <a:p>
             <a:fld id="{21D7086C-0C4C-3449-91FA-3D214E3305F6}" type="datetimeFigureOut">
               <a:rPr lang="en-GB" smtClean="0"/>
-              <a:t>22/08/2024</a:t>
+              <a:t>29/08/2024</a:t>
             </a:fld>
             <a:endParaRPr lang="en-GB"/>
           </a:p>
